--- a/Automation.pptx
+++ b/Automation.pptx
@@ -5,7 +5,7 @@
     <p:sldMasterId id="2147483993" r:id="rId1"/>
   </p:sldMasterIdLst>
   <p:notesMasterIdLst>
-    <p:notesMasterId r:id="rId17"/>
+    <p:notesMasterId r:id="rId18"/>
   </p:notesMasterIdLst>
   <p:sldIdLst>
     <p:sldId id="256" r:id="rId2"/>
@@ -22,7 +22,8 @@
     <p:sldId id="269" r:id="rId13"/>
     <p:sldId id="270" r:id="rId14"/>
     <p:sldId id="271" r:id="rId15"/>
-    <p:sldId id="272" r:id="rId16"/>
+    <p:sldId id="273" r:id="rId16"/>
+    <p:sldId id="272" r:id="rId17"/>
   </p:sldIdLst>
   <p:sldSz cx="12192000" cy="6858000"/>
   <p:notesSz cx="6858000" cy="9144000"/>
@@ -148,6 +149,7 @@
             <p14:sldId id="269"/>
             <p14:sldId id="270"/>
             <p14:sldId id="271"/>
+            <p14:sldId id="273"/>
             <p14:sldId id="272"/>
           </p14:sldIdLst>
         </p14:section>
@@ -242,7 +244,7 @@
           <a:p>
             <a:fld id="{B45307F0-0303-9C4F-92BC-BF938E744BEC}" type="datetimeFigureOut">
               <a:rPr lang="en-US" smtClean="0"/>
-              <a:t>9/10/17</a:t>
+              <a:t>9/19/17</a:t>
             </a:fld>
             <a:endParaRPr lang="en-US"/>
           </a:p>
@@ -1424,7 +1426,7 @@
           <a:p>
             <a:fld id="{BBFC3B89-37DD-A34A-9FD8-C883714DDA7C}" type="datetimeFigureOut">
               <a:rPr lang="en-US" smtClean="0"/>
-              <a:t>9/10/17</a:t>
+              <a:t>9/19/17</a:t>
             </a:fld>
             <a:endParaRPr lang="en-US"/>
           </a:p>
@@ -1599,7 +1601,7 @@
           <a:p>
             <a:fld id="{BBFC3B89-37DD-A34A-9FD8-C883714DDA7C}" type="datetimeFigureOut">
               <a:rPr lang="en-US" smtClean="0"/>
-              <a:t>9/10/17</a:t>
+              <a:t>9/19/17</a:t>
             </a:fld>
             <a:endParaRPr lang="en-US"/>
           </a:p>
@@ -1775,7 +1777,7 @@
           <a:p>
             <a:fld id="{BBFC3B89-37DD-A34A-9FD8-C883714DDA7C}" type="datetimeFigureOut">
               <a:rPr lang="en-US" smtClean="0"/>
-              <a:t>9/10/17</a:t>
+              <a:t>9/19/17</a:t>
             </a:fld>
             <a:endParaRPr lang="en-US"/>
           </a:p>
@@ -1941,7 +1943,7 @@
           <a:p>
             <a:fld id="{BBFC3B89-37DD-A34A-9FD8-C883714DDA7C}" type="datetimeFigureOut">
               <a:rPr lang="en-US" smtClean="0"/>
-              <a:t>9/10/17</a:t>
+              <a:t>9/19/17</a:t>
             </a:fld>
             <a:endParaRPr lang="en-US"/>
           </a:p>
@@ -2258,7 +2260,7 @@
           <a:p>
             <a:fld id="{BBFC3B89-37DD-A34A-9FD8-C883714DDA7C}" type="datetimeFigureOut">
               <a:rPr lang="en-US" smtClean="0"/>
-              <a:t>9/10/17</a:t>
+              <a:t>9/19/17</a:t>
             </a:fld>
             <a:endParaRPr lang="en-US"/>
           </a:p>
@@ -2714,7 +2716,7 @@
           <a:p>
             <a:fld id="{BBFC3B89-37DD-A34A-9FD8-C883714DDA7C}" type="datetimeFigureOut">
               <a:rPr lang="en-US" smtClean="0"/>
-              <a:t>9/10/17</a:t>
+              <a:t>9/19/17</a:t>
             </a:fld>
             <a:endParaRPr lang="en-US"/>
           </a:p>
@@ -3121,7 +3123,7 @@
           <a:p>
             <a:fld id="{BBFC3B89-37DD-A34A-9FD8-C883714DDA7C}" type="datetimeFigureOut">
               <a:rPr lang="en-US" smtClean="0"/>
-              <a:t>9/10/17</a:t>
+              <a:t>9/19/17</a:t>
             </a:fld>
             <a:endParaRPr lang="en-US"/>
           </a:p>
@@ -3235,7 +3237,7 @@
           <a:p>
             <a:fld id="{BBFC3B89-37DD-A34A-9FD8-C883714DDA7C}" type="datetimeFigureOut">
               <a:rPr lang="en-US" smtClean="0"/>
-              <a:t>9/10/17</a:t>
+              <a:t>9/19/17</a:t>
             </a:fld>
             <a:endParaRPr lang="en-US"/>
           </a:p>
@@ -3349,7 +3351,7 @@
           <a:p>
             <a:fld id="{BBFC3B89-37DD-A34A-9FD8-C883714DDA7C}" type="datetimeFigureOut">
               <a:rPr lang="en-US" smtClean="0"/>
-              <a:t>9/10/17</a:t>
+              <a:t>9/19/17</a:t>
             </a:fld>
             <a:endParaRPr lang="en-US"/>
           </a:p>
@@ -3703,7 +3705,7 @@
           <a:p>
             <a:fld id="{BBFC3B89-37DD-A34A-9FD8-C883714DDA7C}" type="datetimeFigureOut">
               <a:rPr lang="en-US" smtClean="0"/>
-              <a:t>9/10/17</a:t>
+              <a:t>9/19/17</a:t>
             </a:fld>
             <a:endParaRPr lang="en-US"/>
           </a:p>
@@ -4206,7 +4208,7 @@
           <a:p>
             <a:fld id="{BBFC3B89-37DD-A34A-9FD8-C883714DDA7C}" type="datetimeFigureOut">
               <a:rPr lang="en-US" smtClean="0"/>
-              <a:t>9/10/17</a:t>
+              <a:t>9/19/17</a:t>
             </a:fld>
             <a:endParaRPr lang="en-US"/>
           </a:p>
@@ -4557,7 +4559,7 @@
           <a:p>
             <a:fld id="{BBFC3B89-37DD-A34A-9FD8-C883714DDA7C}" type="datetimeFigureOut">
               <a:rPr lang="en-US" smtClean="0"/>
-              <a:t>9/10/17</a:t>
+              <a:t>9/19/17</a:t>
             </a:fld>
             <a:endParaRPr lang="en-US"/>
           </a:p>
@@ -5784,7 +5786,7 @@
           <a:p>
             <a:r>
               <a:rPr lang="en-US" dirty="0" smtClean="0"/>
-              <a:t>Python script</a:t>
+              <a:t>Node/Python script</a:t>
             </a:r>
             <a:endParaRPr lang="en-US" dirty="0"/>
           </a:p>
@@ -5807,13 +5809,25 @@
           <a:p>
             <a:r>
               <a:rPr lang="en-US" dirty="0" smtClean="0"/>
-              <a:t>Python can do almost everything, from managing folder and files locally to ML</a:t>
-            </a:r>
-          </a:p>
-          <a:p>
-            <a:r>
-              <a:rPr lang="en-US" dirty="0" smtClean="0"/>
-              <a:t>Free and “easy to learn</a:t>
+              <a:t>Node/Python </a:t>
+            </a:r>
+            <a:r>
+              <a:rPr lang="en-US" dirty="0" smtClean="0"/>
+              <a:t>can do almost everything, from managing folder and files locally to ML</a:t>
+            </a:r>
+          </a:p>
+          <a:p>
+            <a:r>
+              <a:rPr lang="en-US" dirty="0" smtClean="0"/>
+              <a:t>Free and “</a:t>
+            </a:r>
+            <a:r>
+              <a:rPr lang="en-US" dirty="0" smtClean="0"/>
+              <a:t>easy” </a:t>
+            </a:r>
+            <a:r>
+              <a:rPr lang="en-US" dirty="0" smtClean="0"/>
+              <a:t>to learn</a:t>
             </a:r>
           </a:p>
           <a:p>
@@ -5981,6 +5995,239 @@
           <a:p>
             <a:r>
               <a:rPr lang="en-US" dirty="0" smtClean="0"/>
+              <a:t>Security</a:t>
+            </a:r>
+            <a:endParaRPr lang="en-US" dirty="0"/>
+          </a:p>
+        </p:txBody>
+      </p:sp>
+      <p:pic>
+        <p:nvPicPr>
+          <p:cNvPr id="10" name="Content Placeholder 9"/>
+          <p:cNvPicPr>
+            <a:picLocks noGrp="1" noChangeAspect="1"/>
+          </p:cNvPicPr>
+          <p:nvPr>
+            <p:ph sz="half" idx="1"/>
+          </p:nvPr>
+        </p:nvPicPr>
+        <p:blipFill>
+          <a:blip r:embed="rId2"/>
+          <a:stretch>
+            <a:fillRect/>
+          </a:stretch>
+        </p:blipFill>
+        <p:spPr>
+          <a:xfrm>
+            <a:off x="1069975" y="2628912"/>
+            <a:ext cx="4754563" cy="3108300"/>
+          </a:xfrm>
+          <a:prstGeom prst="rect">
+            <a:avLst/>
+          </a:prstGeom>
+        </p:spPr>
+      </p:pic>
+      <p:sp>
+        <p:nvSpPr>
+          <p:cNvPr id="6" name="Text Placeholder 5"/>
+          <p:cNvSpPr>
+            <a:spLocks noGrp="1"/>
+          </p:cNvSpPr>
+          <p:nvPr>
+            <p:ph sz="half" idx="2"/>
+          </p:nvPr>
+        </p:nvSpPr>
+        <p:spPr/>
+        <p:txBody>
+          <a:bodyPr>
+            <a:normAutofit fontScale="92500" lnSpcReduction="10000"/>
+          </a:bodyPr>
+          <a:lstStyle/>
+          <a:p>
+            <a:r>
+              <a:rPr lang="en-US" dirty="0" smtClean="0"/>
+              <a:t>Compliance certifications:</a:t>
+            </a:r>
+          </a:p>
+          <a:p>
+            <a:pPr lvl="1"/>
+            <a:r>
+              <a:rPr lang="en-US" dirty="0" smtClean="0"/>
+              <a:t>AWS </a:t>
+            </a:r>
+            <a:r>
+              <a:rPr lang="en-US" dirty="0" smtClean="0">
+                <a:sym typeface="Wingdings"/>
+              </a:rPr>
+              <a:t> </a:t>
+            </a:r>
+            <a:r>
+              <a:rPr lang="en-US" dirty="0" smtClean="0">
+                <a:hlinkClick r:id="rId3"/>
+              </a:rPr>
+              <a:t>https</a:t>
+            </a:r>
+            <a:r>
+              <a:rPr lang="en-US" dirty="0">
+                <a:hlinkClick r:id="rId3"/>
+              </a:rPr>
+              <a:t>://aws.amazon.com/compliance</a:t>
+            </a:r>
+            <a:r>
+              <a:rPr lang="en-US" dirty="0" smtClean="0">
+                <a:hlinkClick r:id="rId3"/>
+              </a:rPr>
+              <a:t>/</a:t>
+            </a:r>
+            <a:endParaRPr lang="en-US" dirty="0" smtClean="0"/>
+          </a:p>
+          <a:p>
+            <a:pPr lvl="1"/>
+            <a:r>
+              <a:rPr lang="en-US" dirty="0" smtClean="0"/>
+              <a:t>Google cloud </a:t>
+            </a:r>
+            <a:r>
+              <a:rPr lang="en-US" dirty="0">
+                <a:sym typeface="Wingdings"/>
+              </a:rPr>
+              <a:t> </a:t>
+            </a:r>
+            <a:r>
+              <a:rPr lang="en-US" dirty="0">
+                <a:sym typeface="Wingdings"/>
+                <a:hlinkClick r:id="rId4"/>
+              </a:rPr>
+              <a:t>https://</a:t>
+            </a:r>
+            <a:r>
+              <a:rPr lang="en-US" dirty="0" smtClean="0">
+                <a:sym typeface="Wingdings"/>
+                <a:hlinkClick r:id="rId4"/>
+              </a:rPr>
+              <a:t>cloud.google.com/security/compliance</a:t>
+            </a:r>
+            <a:endParaRPr lang="en-US" dirty="0" smtClean="0">
+              <a:sym typeface="Wingdings"/>
+            </a:endParaRPr>
+          </a:p>
+          <a:p>
+            <a:pPr lvl="1"/>
+            <a:r>
+              <a:rPr lang="en-US" dirty="0">
+                <a:sym typeface="Wingdings"/>
+              </a:rPr>
+              <a:t>Azure  </a:t>
+            </a:r>
+            <a:r>
+              <a:rPr lang="en-US" dirty="0">
+                <a:sym typeface="Wingdings"/>
+                <a:hlinkClick r:id="rId5"/>
+              </a:rPr>
+              <a:t>https://</a:t>
+            </a:r>
+            <a:r>
+              <a:rPr lang="en-US" dirty="0" smtClean="0">
+                <a:sym typeface="Wingdings"/>
+                <a:hlinkClick r:id="rId5"/>
+              </a:rPr>
+              <a:t>www.microsoft.com/en-us/trustcenter/compliance/complianceofferings</a:t>
+            </a:r>
+            <a:endParaRPr lang="en-US" dirty="0" smtClean="0">
+              <a:sym typeface="Wingdings"/>
+            </a:endParaRPr>
+          </a:p>
+          <a:p>
+            <a:r>
+              <a:rPr lang="en-US" dirty="0" smtClean="0"/>
+              <a:t>Regions:</a:t>
+            </a:r>
+          </a:p>
+          <a:p>
+            <a:pPr lvl="1"/>
+            <a:r>
+              <a:rPr lang="en-US" dirty="0" smtClean="0"/>
+              <a:t>UK, EU, USA, South America, </a:t>
+            </a:r>
+            <a:r>
+              <a:rPr lang="mr-IN" dirty="0" smtClean="0"/>
+              <a:t>…</a:t>
+            </a:r>
+            <a:endParaRPr lang="en-GB" dirty="0" smtClean="0"/>
+          </a:p>
+          <a:p>
+            <a:r>
+              <a:rPr lang="en-GB" dirty="0" smtClean="0"/>
+              <a:t>Disposable machines:</a:t>
+            </a:r>
+          </a:p>
+          <a:p>
+            <a:pPr lvl="1"/>
+            <a:r>
+              <a:rPr lang="en-GB" dirty="0" smtClean="0"/>
+              <a:t>Process and persist the data </a:t>
+            </a:r>
+            <a:r>
+              <a:rPr lang="en-GB" dirty="0" smtClean="0">
+                <a:sym typeface="Wingdings"/>
+              </a:rPr>
+              <a:t> </a:t>
+            </a:r>
+            <a:r>
+              <a:rPr lang="en-GB" dirty="0" smtClean="0"/>
+              <a:t>wipe the machine</a:t>
+            </a:r>
+            <a:endParaRPr lang="en-US" dirty="0"/>
+          </a:p>
+        </p:txBody>
+      </p:sp>
+    </p:spTree>
+    <p:extLst>
+      <p:ext uri="{BB962C8B-B14F-4D97-AF65-F5344CB8AC3E}">
+        <p14:creationId xmlns:p14="http://schemas.microsoft.com/office/powerpoint/2010/main" val="1807110907"/>
+      </p:ext>
+    </p:extLst>
+  </p:cSld>
+  <p:clrMapOvr>
+    <a:masterClrMapping/>
+  </p:clrMapOvr>
+</p:sld>
+</file>
+
+<file path=ppt/slides/slide16.xml><?xml version="1.0" encoding="utf-8"?>
+<p:sld xmlns:a="http://schemas.openxmlformats.org/drawingml/2006/main" xmlns:r="http://schemas.openxmlformats.org/officeDocument/2006/relationships" xmlns:p="http://schemas.openxmlformats.org/presentationml/2006/main">
+  <p:cSld>
+    <p:spTree>
+      <p:nvGrpSpPr>
+        <p:cNvPr id="1" name=""/>
+        <p:cNvGrpSpPr/>
+        <p:nvPr/>
+      </p:nvGrpSpPr>
+      <p:grpSpPr>
+        <a:xfrm>
+          <a:off x="0" y="0"/>
+          <a:ext cx="0" cy="0"/>
+          <a:chOff x="0" y="0"/>
+          <a:chExt cx="0" cy="0"/>
+        </a:xfrm>
+      </p:grpSpPr>
+      <p:sp>
+        <p:nvSpPr>
+          <p:cNvPr id="2" name="Title 1"/>
+          <p:cNvSpPr>
+            <a:spLocks noGrp="1"/>
+          </p:cNvSpPr>
+          <p:nvPr>
+            <p:ph type="title"/>
+          </p:nvPr>
+        </p:nvSpPr>
+        <p:spPr/>
+        <p:txBody>
+          <a:bodyPr/>
+          <a:lstStyle/>
+          <a:p>
+            <a:r>
+              <a:rPr lang="en-US" dirty="0" smtClean="0"/>
               <a:t>Future of Automation</a:t>
             </a:r>
             <a:endParaRPr lang="en-US" dirty="0"/>
@@ -6002,7 +6249,40 @@
           <a:bodyPr/>
           <a:lstStyle/>
           <a:p>
-            <a:endParaRPr lang="en-US" dirty="0"/>
+            <a:r>
+              <a:rPr lang="en-US" dirty="0" smtClean="0"/>
+              <a:t>Increase of event-base automation (software development is going to the same direction)</a:t>
+            </a:r>
+          </a:p>
+          <a:p>
+            <a:r>
+              <a:rPr lang="en-US" dirty="0" smtClean="0"/>
+              <a:t>Script languages like </a:t>
+            </a:r>
+            <a:r>
+              <a:rPr lang="en-US" dirty="0" err="1" smtClean="0"/>
+              <a:t>nodejs</a:t>
+            </a:r>
+            <a:r>
+              <a:rPr lang="en-US" dirty="0" smtClean="0"/>
+              <a:t> and python will get more popular</a:t>
+            </a:r>
+            <a:endParaRPr lang="en-US" dirty="0" smtClean="0"/>
+          </a:p>
+          <a:p>
+            <a:r>
+              <a:rPr lang="en-US" dirty="0" smtClean="0"/>
+              <a:t>More use of cloud providers</a:t>
+            </a:r>
+          </a:p>
+          <a:p>
+            <a:r>
+              <a:rPr lang="en-US" dirty="0" smtClean="0"/>
+              <a:t>More and better integrations</a:t>
+            </a:r>
+          </a:p>
+          <a:p>
+            <a:endParaRPr lang="en-US" dirty="0" smtClean="0"/>
           </a:p>
         </p:txBody>
       </p:sp>

--- a/Automation.pptx
+++ b/Automation.pptx
@@ -626,6 +626,114 @@
 </p:notes>
 </file>
 
+<file path=ppt/notesSlides/notesSlide10.xml><?xml version="1.0" encoding="utf-8"?>
+<p:notes xmlns:a="http://schemas.openxmlformats.org/drawingml/2006/main" xmlns:r="http://schemas.openxmlformats.org/officeDocument/2006/relationships" xmlns:p="http://schemas.openxmlformats.org/presentationml/2006/main">
+  <p:cSld>
+    <p:spTree>
+      <p:nvGrpSpPr>
+        <p:cNvPr id="1" name=""/>
+        <p:cNvGrpSpPr/>
+        <p:nvPr/>
+      </p:nvGrpSpPr>
+      <p:grpSpPr>
+        <a:xfrm>
+          <a:off x="0" y="0"/>
+          <a:ext cx="0" cy="0"/>
+          <a:chOff x="0" y="0"/>
+          <a:chExt cx="0" cy="0"/>
+        </a:xfrm>
+      </p:grpSpPr>
+      <p:sp>
+        <p:nvSpPr>
+          <p:cNvPr id="2" name="Slide Image Placeholder 1"/>
+          <p:cNvSpPr>
+            <a:spLocks noGrp="1" noRot="1" noChangeAspect="1"/>
+          </p:cNvSpPr>
+          <p:nvPr>
+            <p:ph type="sldImg"/>
+          </p:nvPr>
+        </p:nvSpPr>
+        <p:spPr/>
+      </p:sp>
+      <p:sp>
+        <p:nvSpPr>
+          <p:cNvPr id="3" name="Notes Placeholder 2"/>
+          <p:cNvSpPr>
+            <a:spLocks noGrp="1"/>
+          </p:cNvSpPr>
+          <p:nvPr>
+            <p:ph type="body" idx="1"/>
+          </p:nvPr>
+        </p:nvSpPr>
+        <p:spPr/>
+        <p:txBody>
+          <a:bodyPr/>
+          <a:lstStyle/>
+          <a:p>
+            <a:r>
+              <a:rPr lang="en-US" dirty="0" smtClean="0"/>
+              <a:t>Sample with the copy from </a:t>
+            </a:r>
+            <a:r>
+              <a:rPr lang="en-US" dirty="0" err="1" smtClean="0"/>
+              <a:t>github</a:t>
+            </a:r>
+            <a:r>
+              <a:rPr lang="en-US" dirty="0" smtClean="0"/>
+              <a:t> to </a:t>
+            </a:r>
+            <a:r>
+              <a:rPr lang="en-US" dirty="0" err="1" smtClean="0"/>
+              <a:t>jira</a:t>
+            </a:r>
+            <a:r>
+              <a:rPr lang="en-US" dirty="0" smtClean="0"/>
+              <a:t> and report generator from </a:t>
+            </a:r>
+            <a:r>
+              <a:rPr lang="en-US" dirty="0" err="1" smtClean="0"/>
+              <a:t>jira</a:t>
+            </a:r>
+            <a:endParaRPr lang="en-US" dirty="0"/>
+          </a:p>
+        </p:txBody>
+      </p:sp>
+      <p:sp>
+        <p:nvSpPr>
+          <p:cNvPr id="4" name="Slide Number Placeholder 3"/>
+          <p:cNvSpPr>
+            <a:spLocks noGrp="1"/>
+          </p:cNvSpPr>
+          <p:nvPr>
+            <p:ph type="sldNum" sz="quarter" idx="10"/>
+          </p:nvPr>
+        </p:nvSpPr>
+        <p:spPr/>
+        <p:txBody>
+          <a:bodyPr/>
+          <a:lstStyle/>
+          <a:p>
+            <a:fld id="{C4292089-8267-8B41-A641-AA895EAE7420}" type="slidenum">
+              <a:rPr lang="en-US" smtClean="0"/>
+              <a:t>13</a:t>
+            </a:fld>
+            <a:endParaRPr lang="en-US"/>
+          </a:p>
+        </p:txBody>
+      </p:sp>
+    </p:spTree>
+    <p:extLst>
+      <p:ext uri="{BB962C8B-B14F-4D97-AF65-F5344CB8AC3E}">
+        <p14:creationId xmlns:p14="http://schemas.microsoft.com/office/powerpoint/2010/main" val="1250584141"/>
+      </p:ext>
+    </p:extLst>
+  </p:cSld>
+  <p:clrMapOvr>
+    <a:masterClrMapping/>
+  </p:clrMapOvr>
+</p:notes>
+</file>
+
 <file path=ppt/notesSlides/notesSlide2.xml><?xml version="1.0" encoding="utf-8"?>
 <p:notes xmlns:a="http://schemas.openxmlformats.org/drawingml/2006/main" xmlns:r="http://schemas.openxmlformats.org/officeDocument/2006/relationships" xmlns:p="http://schemas.openxmlformats.org/presentationml/2006/main">
   <p:cSld>
@@ -773,14 +881,6 @@
           <a:bodyPr/>
           <a:lstStyle/>
           <a:p>
-            <a:r>
-              <a:rPr lang="en-US" dirty="0" smtClean="0"/>
-              <a:t>The first automation tool I</a:t>
-            </a:r>
-            <a:r>
-              <a:rPr lang="en-US" baseline="0" dirty="0" smtClean="0"/>
-              <a:t> heard about </a:t>
-            </a:r>
             <a:endParaRPr lang="en-US" dirty="0"/>
           </a:p>
         </p:txBody>
@@ -802,7 +902,7 @@
           <a:p>
             <a:fld id="{C4292089-8267-8B41-A641-AA895EAE7420}" type="slidenum">
               <a:rPr lang="en-US" smtClean="0"/>
-              <a:t>7</a:t>
+              <a:t>4</a:t>
             </a:fld>
             <a:endParaRPr lang="en-US"/>
           </a:p>
@@ -811,7 +911,7 @@
     </p:spTree>
     <p:extLst>
       <p:ext uri="{BB962C8B-B14F-4D97-AF65-F5344CB8AC3E}">
-        <p14:creationId xmlns:p14="http://schemas.microsoft.com/office/powerpoint/2010/main" val="1294686756"/>
+        <p14:creationId xmlns:p14="http://schemas.microsoft.com/office/powerpoint/2010/main" val="1369295299"/>
       </p:ext>
     </p:extLst>
   </p:cSld>
@@ -867,6 +967,394 @@
           <a:p>
             <a:r>
               <a:rPr lang="en-US" dirty="0" smtClean="0"/>
+              <a:t>Time based: a schedule is defined and it just follows</a:t>
+            </a:r>
+            <a:r>
+              <a:rPr lang="en-US" baseline="0" dirty="0" smtClean="0"/>
+              <a:t> it</a:t>
+            </a:r>
+          </a:p>
+          <a:p>
+            <a:r>
+              <a:rPr lang="en-US" baseline="0" dirty="0" smtClean="0"/>
+              <a:t>Event based: it’s triggered only when an event is received</a:t>
+            </a:r>
+          </a:p>
+          <a:p>
+            <a:r>
+              <a:rPr lang="en-US" baseline="0" dirty="0" smtClean="0"/>
+              <a:t>Crazy hacker script, from a Russian software engineer </a:t>
+            </a:r>
+          </a:p>
+        </p:txBody>
+      </p:sp>
+      <p:sp>
+        <p:nvSpPr>
+          <p:cNvPr id="4" name="Slide Number Placeholder 3"/>
+          <p:cNvSpPr>
+            <a:spLocks noGrp="1"/>
+          </p:cNvSpPr>
+          <p:nvPr>
+            <p:ph type="sldNum" sz="quarter" idx="10"/>
+          </p:nvPr>
+        </p:nvSpPr>
+        <p:spPr/>
+        <p:txBody>
+          <a:bodyPr/>
+          <a:lstStyle/>
+          <a:p>
+            <a:fld id="{C4292089-8267-8B41-A641-AA895EAE7420}" type="slidenum">
+              <a:rPr lang="en-US" smtClean="0"/>
+              <a:t>5</a:t>
+            </a:fld>
+            <a:endParaRPr lang="en-US"/>
+          </a:p>
+        </p:txBody>
+      </p:sp>
+    </p:spTree>
+    <p:extLst>
+      <p:ext uri="{BB962C8B-B14F-4D97-AF65-F5344CB8AC3E}">
+        <p14:creationId xmlns:p14="http://schemas.microsoft.com/office/powerpoint/2010/main" val="1065764123"/>
+      </p:ext>
+    </p:extLst>
+  </p:cSld>
+  <p:clrMapOvr>
+    <a:masterClrMapping/>
+  </p:clrMapOvr>
+</p:notes>
+</file>
+
+<file path=ppt/notesSlides/notesSlide5.xml><?xml version="1.0" encoding="utf-8"?>
+<p:notes xmlns:a="http://schemas.openxmlformats.org/drawingml/2006/main" xmlns:r="http://schemas.openxmlformats.org/officeDocument/2006/relationships" xmlns:p="http://schemas.openxmlformats.org/presentationml/2006/main">
+  <p:cSld>
+    <p:spTree>
+      <p:nvGrpSpPr>
+        <p:cNvPr id="1" name=""/>
+        <p:cNvGrpSpPr/>
+        <p:nvPr/>
+      </p:nvGrpSpPr>
+      <p:grpSpPr>
+        <a:xfrm>
+          <a:off x="0" y="0"/>
+          <a:ext cx="0" cy="0"/>
+          <a:chOff x="0" y="0"/>
+          <a:chExt cx="0" cy="0"/>
+        </a:xfrm>
+      </p:grpSpPr>
+      <p:sp>
+        <p:nvSpPr>
+          <p:cNvPr id="2" name="Slide Image Placeholder 1"/>
+          <p:cNvSpPr>
+            <a:spLocks noGrp="1" noRot="1" noChangeAspect="1"/>
+          </p:cNvSpPr>
+          <p:nvPr>
+            <p:ph type="sldImg"/>
+          </p:nvPr>
+        </p:nvSpPr>
+        <p:spPr/>
+      </p:sp>
+      <p:sp>
+        <p:nvSpPr>
+          <p:cNvPr id="3" name="Notes Placeholder 2"/>
+          <p:cNvSpPr>
+            <a:spLocks noGrp="1"/>
+          </p:cNvSpPr>
+          <p:nvPr>
+            <p:ph type="body" idx="1"/>
+          </p:nvPr>
+        </p:nvSpPr>
+        <p:spPr/>
+        <p:txBody>
+          <a:bodyPr/>
+          <a:lstStyle/>
+          <a:p>
+            <a:r>
+              <a:rPr lang="en-US" dirty="0" smtClean="0"/>
+              <a:t>The first automation tool I</a:t>
+            </a:r>
+            <a:r>
+              <a:rPr lang="en-US" baseline="0" dirty="0" smtClean="0"/>
+              <a:t> heard about </a:t>
+            </a:r>
+            <a:endParaRPr lang="en-US" dirty="0"/>
+          </a:p>
+        </p:txBody>
+      </p:sp>
+      <p:sp>
+        <p:nvSpPr>
+          <p:cNvPr id="4" name="Slide Number Placeholder 3"/>
+          <p:cNvSpPr>
+            <a:spLocks noGrp="1"/>
+          </p:cNvSpPr>
+          <p:nvPr>
+            <p:ph type="sldNum" sz="quarter" idx="10"/>
+          </p:nvPr>
+        </p:nvSpPr>
+        <p:spPr/>
+        <p:txBody>
+          <a:bodyPr/>
+          <a:lstStyle/>
+          <a:p>
+            <a:fld id="{C4292089-8267-8B41-A641-AA895EAE7420}" type="slidenum">
+              <a:rPr lang="en-US" smtClean="0"/>
+              <a:t>7</a:t>
+            </a:fld>
+            <a:endParaRPr lang="en-US"/>
+          </a:p>
+        </p:txBody>
+      </p:sp>
+    </p:spTree>
+    <p:extLst>
+      <p:ext uri="{BB962C8B-B14F-4D97-AF65-F5344CB8AC3E}">
+        <p14:creationId xmlns:p14="http://schemas.microsoft.com/office/powerpoint/2010/main" val="1294686756"/>
+      </p:ext>
+    </p:extLst>
+  </p:cSld>
+  <p:clrMapOvr>
+    <a:masterClrMapping/>
+  </p:clrMapOvr>
+</p:notes>
+</file>
+
+<file path=ppt/notesSlides/notesSlide6.xml><?xml version="1.0" encoding="utf-8"?>
+<p:notes xmlns:a="http://schemas.openxmlformats.org/drawingml/2006/main" xmlns:r="http://schemas.openxmlformats.org/officeDocument/2006/relationships" xmlns:p="http://schemas.openxmlformats.org/presentationml/2006/main">
+  <p:cSld>
+    <p:spTree>
+      <p:nvGrpSpPr>
+        <p:cNvPr id="1" name=""/>
+        <p:cNvGrpSpPr/>
+        <p:nvPr/>
+      </p:nvGrpSpPr>
+      <p:grpSpPr>
+        <a:xfrm>
+          <a:off x="0" y="0"/>
+          <a:ext cx="0" cy="0"/>
+          <a:chOff x="0" y="0"/>
+          <a:chExt cx="0" cy="0"/>
+        </a:xfrm>
+      </p:grpSpPr>
+      <p:sp>
+        <p:nvSpPr>
+          <p:cNvPr id="2" name="Slide Image Placeholder 1"/>
+          <p:cNvSpPr>
+            <a:spLocks noGrp="1" noRot="1" noChangeAspect="1"/>
+          </p:cNvSpPr>
+          <p:nvPr>
+            <p:ph type="sldImg"/>
+          </p:nvPr>
+        </p:nvSpPr>
+        <p:spPr/>
+      </p:sp>
+      <p:sp>
+        <p:nvSpPr>
+          <p:cNvPr id="3" name="Notes Placeholder 2"/>
+          <p:cNvSpPr>
+            <a:spLocks noGrp="1"/>
+          </p:cNvSpPr>
+          <p:nvPr>
+            <p:ph type="body" idx="1"/>
+          </p:nvPr>
+        </p:nvSpPr>
+        <p:spPr/>
+        <p:txBody>
+          <a:bodyPr/>
+          <a:lstStyle/>
+          <a:p>
+            <a:r>
+              <a:rPr lang="en-US" dirty="0" smtClean="0"/>
+              <a:t>Oldest</a:t>
+            </a:r>
+            <a:r>
+              <a:rPr lang="en-US" baseline="0" dirty="0" smtClean="0"/>
+              <a:t> scheduler I used</a:t>
+            </a:r>
+          </a:p>
+          <a:p>
+            <a:r>
+              <a:rPr lang="en-US" baseline="0" dirty="0" smtClean="0"/>
+              <a:t>Still in use today, it’s possible to configure </a:t>
+            </a:r>
+            <a:r>
+              <a:rPr lang="en-US" baseline="0" dirty="0" err="1" smtClean="0"/>
+              <a:t>cron</a:t>
+            </a:r>
+            <a:r>
+              <a:rPr lang="en-US" baseline="0" dirty="0" smtClean="0"/>
+              <a:t> style for cloud lambdas/functions</a:t>
+            </a:r>
+          </a:p>
+        </p:txBody>
+      </p:sp>
+      <p:sp>
+        <p:nvSpPr>
+          <p:cNvPr id="4" name="Slide Number Placeholder 3"/>
+          <p:cNvSpPr>
+            <a:spLocks noGrp="1"/>
+          </p:cNvSpPr>
+          <p:nvPr>
+            <p:ph type="sldNum" sz="quarter" idx="10"/>
+          </p:nvPr>
+        </p:nvSpPr>
+        <p:spPr/>
+        <p:txBody>
+          <a:bodyPr/>
+          <a:lstStyle/>
+          <a:p>
+            <a:fld id="{C4292089-8267-8B41-A641-AA895EAE7420}" type="slidenum">
+              <a:rPr lang="en-US" smtClean="0"/>
+              <a:t>8</a:t>
+            </a:fld>
+            <a:endParaRPr lang="en-US"/>
+          </a:p>
+        </p:txBody>
+      </p:sp>
+    </p:spTree>
+    <p:extLst>
+      <p:ext uri="{BB962C8B-B14F-4D97-AF65-F5344CB8AC3E}">
+        <p14:creationId xmlns:p14="http://schemas.microsoft.com/office/powerpoint/2010/main" val="2077521199"/>
+      </p:ext>
+    </p:extLst>
+  </p:cSld>
+  <p:clrMapOvr>
+    <a:masterClrMapping/>
+  </p:clrMapOvr>
+</p:notes>
+</file>
+
+<file path=ppt/notesSlides/notesSlide7.xml><?xml version="1.0" encoding="utf-8"?>
+<p:notes xmlns:a="http://schemas.openxmlformats.org/drawingml/2006/main" xmlns:r="http://schemas.openxmlformats.org/officeDocument/2006/relationships" xmlns:p="http://schemas.openxmlformats.org/presentationml/2006/main">
+  <p:cSld>
+    <p:spTree>
+      <p:nvGrpSpPr>
+        <p:cNvPr id="1" name=""/>
+        <p:cNvGrpSpPr/>
+        <p:nvPr/>
+      </p:nvGrpSpPr>
+      <p:grpSpPr>
+        <a:xfrm>
+          <a:off x="0" y="0"/>
+          <a:ext cx="0" cy="0"/>
+          <a:chOff x="0" y="0"/>
+          <a:chExt cx="0" cy="0"/>
+        </a:xfrm>
+      </p:grpSpPr>
+      <p:sp>
+        <p:nvSpPr>
+          <p:cNvPr id="2" name="Slide Image Placeholder 1"/>
+          <p:cNvSpPr>
+            <a:spLocks noGrp="1" noRot="1" noChangeAspect="1"/>
+          </p:cNvSpPr>
+          <p:nvPr>
+            <p:ph type="sldImg"/>
+          </p:nvPr>
+        </p:nvSpPr>
+        <p:spPr/>
+      </p:sp>
+      <p:sp>
+        <p:nvSpPr>
+          <p:cNvPr id="3" name="Notes Placeholder 2"/>
+          <p:cNvSpPr>
+            <a:spLocks noGrp="1"/>
+          </p:cNvSpPr>
+          <p:nvPr>
+            <p:ph type="body" idx="1"/>
+          </p:nvPr>
+        </p:nvSpPr>
+        <p:spPr/>
+        <p:txBody>
+          <a:bodyPr/>
+          <a:lstStyle/>
+          <a:p>
+            <a:r>
+              <a:rPr lang="en-US" dirty="0" smtClean="0"/>
+              <a:t>Much more user friendly, nice UI, better feedback, less code</a:t>
+            </a:r>
+            <a:endParaRPr lang="en-US" dirty="0"/>
+          </a:p>
+        </p:txBody>
+      </p:sp>
+      <p:sp>
+        <p:nvSpPr>
+          <p:cNvPr id="4" name="Slide Number Placeholder 3"/>
+          <p:cNvSpPr>
+            <a:spLocks noGrp="1"/>
+          </p:cNvSpPr>
+          <p:nvPr>
+            <p:ph type="sldNum" sz="quarter" idx="10"/>
+          </p:nvPr>
+        </p:nvSpPr>
+        <p:spPr/>
+        <p:txBody>
+          <a:bodyPr/>
+          <a:lstStyle/>
+          <a:p>
+            <a:fld id="{C4292089-8267-8B41-A641-AA895EAE7420}" type="slidenum">
+              <a:rPr lang="en-US" smtClean="0"/>
+              <a:t>9</a:t>
+            </a:fld>
+            <a:endParaRPr lang="en-US"/>
+          </a:p>
+        </p:txBody>
+      </p:sp>
+    </p:spTree>
+    <p:extLst>
+      <p:ext uri="{BB962C8B-B14F-4D97-AF65-F5344CB8AC3E}">
+        <p14:creationId xmlns:p14="http://schemas.microsoft.com/office/powerpoint/2010/main" val="1301535075"/>
+      </p:ext>
+    </p:extLst>
+  </p:cSld>
+  <p:clrMapOvr>
+    <a:masterClrMapping/>
+  </p:clrMapOvr>
+</p:notes>
+</file>
+
+<file path=ppt/notesSlides/notesSlide8.xml><?xml version="1.0" encoding="utf-8"?>
+<p:notes xmlns:a="http://schemas.openxmlformats.org/drawingml/2006/main" xmlns:r="http://schemas.openxmlformats.org/officeDocument/2006/relationships" xmlns:p="http://schemas.openxmlformats.org/presentationml/2006/main">
+  <p:cSld>
+    <p:spTree>
+      <p:nvGrpSpPr>
+        <p:cNvPr id="1" name=""/>
+        <p:cNvGrpSpPr/>
+        <p:nvPr/>
+      </p:nvGrpSpPr>
+      <p:grpSpPr>
+        <a:xfrm>
+          <a:off x="0" y="0"/>
+          <a:ext cx="0" cy="0"/>
+          <a:chOff x="0" y="0"/>
+          <a:chExt cx="0" cy="0"/>
+        </a:xfrm>
+      </p:grpSpPr>
+      <p:sp>
+        <p:nvSpPr>
+          <p:cNvPr id="2" name="Slide Image Placeholder 1"/>
+          <p:cNvSpPr>
+            <a:spLocks noGrp="1" noRot="1" noChangeAspect="1"/>
+          </p:cNvSpPr>
+          <p:nvPr>
+            <p:ph type="sldImg"/>
+          </p:nvPr>
+        </p:nvSpPr>
+        <p:spPr/>
+      </p:sp>
+      <p:sp>
+        <p:nvSpPr>
+          <p:cNvPr id="3" name="Notes Placeholder 2"/>
+          <p:cNvSpPr>
+            <a:spLocks noGrp="1"/>
+          </p:cNvSpPr>
+          <p:nvPr>
+            <p:ph type="body" idx="1"/>
+          </p:nvPr>
+        </p:nvSpPr>
+        <p:spPr/>
+        <p:txBody>
+          <a:bodyPr/>
+          <a:lstStyle/>
+          <a:p>
+            <a:r>
+              <a:rPr lang="en-US" dirty="0" smtClean="0"/>
               <a:t>Example: A client sends a request the the client manager. If there is a pattern it can be automatically forwarded to JIRA, or you</a:t>
             </a:r>
             <a:r>
@@ -916,6 +1404,98 @@
     <p:extLst>
       <p:ext uri="{BB962C8B-B14F-4D97-AF65-F5344CB8AC3E}">
         <p14:creationId xmlns:p14="http://schemas.microsoft.com/office/powerpoint/2010/main" val="872982220"/>
+      </p:ext>
+    </p:extLst>
+  </p:cSld>
+  <p:clrMapOvr>
+    <a:masterClrMapping/>
+  </p:clrMapOvr>
+</p:notes>
+</file>
+
+<file path=ppt/notesSlides/notesSlide9.xml><?xml version="1.0" encoding="utf-8"?>
+<p:notes xmlns:a="http://schemas.openxmlformats.org/drawingml/2006/main" xmlns:r="http://schemas.openxmlformats.org/officeDocument/2006/relationships" xmlns:p="http://schemas.openxmlformats.org/presentationml/2006/main">
+  <p:cSld>
+    <p:spTree>
+      <p:nvGrpSpPr>
+        <p:cNvPr id="1" name=""/>
+        <p:cNvGrpSpPr/>
+        <p:nvPr/>
+      </p:nvGrpSpPr>
+      <p:grpSpPr>
+        <a:xfrm>
+          <a:off x="0" y="0"/>
+          <a:ext cx="0" cy="0"/>
+          <a:chOff x="0" y="0"/>
+          <a:chExt cx="0" cy="0"/>
+        </a:xfrm>
+      </p:grpSpPr>
+      <p:sp>
+        <p:nvSpPr>
+          <p:cNvPr id="2" name="Slide Image Placeholder 1"/>
+          <p:cNvSpPr>
+            <a:spLocks noGrp="1" noRot="1" noChangeAspect="1"/>
+          </p:cNvSpPr>
+          <p:nvPr>
+            <p:ph type="sldImg"/>
+          </p:nvPr>
+        </p:nvSpPr>
+        <p:spPr/>
+      </p:sp>
+      <p:sp>
+        <p:nvSpPr>
+          <p:cNvPr id="3" name="Notes Placeholder 2"/>
+          <p:cNvSpPr>
+            <a:spLocks noGrp="1"/>
+          </p:cNvSpPr>
+          <p:nvPr>
+            <p:ph type="body" idx="1"/>
+          </p:nvPr>
+        </p:nvSpPr>
+        <p:spPr/>
+        <p:txBody>
+          <a:bodyPr/>
+          <a:lstStyle/>
+          <a:p>
+            <a:r>
+              <a:rPr lang="en-US" dirty="0" smtClean="0"/>
+              <a:t>Sample for Ftp downloads with </a:t>
+            </a:r>
+            <a:r>
+              <a:rPr lang="en-US" dirty="0" err="1" smtClean="0"/>
+              <a:t>powershell</a:t>
+            </a:r>
+            <a:endParaRPr lang="en-US" dirty="0"/>
+          </a:p>
+        </p:txBody>
+      </p:sp>
+      <p:sp>
+        <p:nvSpPr>
+          <p:cNvPr id="4" name="Slide Number Placeholder 3"/>
+          <p:cNvSpPr>
+            <a:spLocks noGrp="1"/>
+          </p:cNvSpPr>
+          <p:nvPr>
+            <p:ph type="sldNum" sz="quarter" idx="10"/>
+          </p:nvPr>
+        </p:nvSpPr>
+        <p:spPr/>
+        <p:txBody>
+          <a:bodyPr/>
+          <a:lstStyle/>
+          <a:p>
+            <a:fld id="{C4292089-8267-8B41-A641-AA895EAE7420}" type="slidenum">
+              <a:rPr lang="en-US" smtClean="0"/>
+              <a:t>12</a:t>
+            </a:fld>
+            <a:endParaRPr lang="en-US"/>
+          </a:p>
+        </p:txBody>
+      </p:sp>
+    </p:spTree>
+    <p:extLst>
+      <p:ext uri="{BB962C8B-B14F-4D97-AF65-F5344CB8AC3E}">
+        <p14:creationId xmlns:p14="http://schemas.microsoft.com/office/powerpoint/2010/main" val="1953978093"/>
       </p:ext>
     </p:extLst>
   </p:cSld>
@@ -5326,7 +5906,7 @@
           <a:bodyPr/>
           <a:lstStyle/>
           <a:p>
-            <a:endParaRPr lang="en-US"/>
+            <a:endParaRPr lang="en-US" dirty="0"/>
           </a:p>
         </p:txBody>
       </p:sp>
@@ -5657,13 +6237,34 @@
           <a:p>
             <a:r>
               <a:rPr lang="en-US" dirty="0" smtClean="0"/>
-              <a:t>Batch script is known because it can do basic things on windows. Which is false.</a:t>
-            </a:r>
-          </a:p>
-          <a:p>
-            <a:r>
-              <a:rPr lang="en-US" dirty="0" smtClean="0"/>
-              <a:t>Batch scripts can do anything on Windows, and interact with other programs:</a:t>
+              <a:t>Batch script is known because it can do basic things on </a:t>
+            </a:r>
+            <a:r>
+              <a:rPr lang="en-US" dirty="0" smtClean="0"/>
+              <a:t>Windows, which </a:t>
+            </a:r>
+            <a:r>
+              <a:rPr lang="en-US" dirty="0" smtClean="0"/>
+              <a:t>is </a:t>
+            </a:r>
+            <a:r>
+              <a:rPr lang="en-US" dirty="0" smtClean="0"/>
+              <a:t>false</a:t>
+            </a:r>
+            <a:endParaRPr lang="en-US" dirty="0" smtClean="0"/>
+          </a:p>
+          <a:p>
+            <a:r>
+              <a:rPr lang="en-US" dirty="0" smtClean="0"/>
+              <a:t>Batch scripts can do anything on </a:t>
+            </a:r>
+            <a:r>
+              <a:rPr lang="en-US" dirty="0" smtClean="0"/>
+              <a:t>Windows </a:t>
+            </a:r>
+            <a:r>
+              <a:rPr lang="en-US" dirty="0" smtClean="0"/>
+              <a:t>and interact with other programs:</a:t>
             </a:r>
           </a:p>
           <a:p>
@@ -5707,7 +6308,23 @@
             </a:r>
             <a:r>
               <a:rPr lang="en-GB" dirty="0" smtClean="0"/>
-              <a:t> is “a new version” of Batch, easier to use and more features</a:t>
+              <a:t> is “a </a:t>
+            </a:r>
+            <a:r>
+              <a:rPr lang="en-GB" dirty="0" smtClean="0"/>
+              <a:t>newer </a:t>
+            </a:r>
+            <a:r>
+              <a:rPr lang="en-GB" dirty="0" smtClean="0"/>
+              <a:t>version” of Batch, easier to use and </a:t>
+            </a:r>
+            <a:r>
+              <a:rPr lang="en-GB" dirty="0" smtClean="0"/>
+              <a:t>with more </a:t>
+            </a:r>
+            <a:r>
+              <a:rPr lang="en-GB" dirty="0" smtClean="0"/>
+              <a:t>features</a:t>
             </a:r>
           </a:p>
           <a:p>
@@ -5809,25 +6426,13 @@
           <a:p>
             <a:r>
               <a:rPr lang="en-US" dirty="0" smtClean="0"/>
-              <a:t>Node/Python </a:t>
-            </a:r>
-            <a:r>
-              <a:rPr lang="en-US" dirty="0" smtClean="0"/>
-              <a:t>can do almost everything, from managing folder and files locally to ML</a:t>
-            </a:r>
-          </a:p>
-          <a:p>
-            <a:r>
-              <a:rPr lang="en-US" dirty="0" smtClean="0"/>
-              <a:t>Free and “</a:t>
-            </a:r>
-            <a:r>
-              <a:rPr lang="en-US" dirty="0" smtClean="0"/>
-              <a:t>easy” </a:t>
-            </a:r>
-            <a:r>
-              <a:rPr lang="en-US" dirty="0" smtClean="0"/>
-              <a:t>to learn</a:t>
+              <a:t>Node/Python can do almost everything, from managing folder and files locally to ML</a:t>
+            </a:r>
+          </a:p>
+          <a:p>
+            <a:r>
+              <a:rPr lang="en-US" dirty="0" smtClean="0"/>
+              <a:t>Free and “easy” to learn</a:t>
             </a:r>
           </a:p>
           <a:p>
@@ -5948,6 +6553,102 @@
           </a:p>
         </p:txBody>
       </p:sp>
+      <p:pic>
+        <p:nvPicPr>
+          <p:cNvPr id="4" name="Picture 3"/>
+          <p:cNvPicPr>
+            <a:picLocks noChangeAspect="1"/>
+          </p:cNvPicPr>
+          <p:nvPr/>
+        </p:nvPicPr>
+        <p:blipFill>
+          <a:blip r:embed="rId2"/>
+          <a:stretch>
+            <a:fillRect/>
+          </a:stretch>
+        </p:blipFill>
+        <p:spPr>
+          <a:xfrm>
+            <a:off x="5937385" y="4427119"/>
+            <a:ext cx="5085214" cy="2037104"/>
+          </a:xfrm>
+          <a:prstGeom prst="rect">
+            <a:avLst/>
+          </a:prstGeom>
+        </p:spPr>
+      </p:pic>
+      <p:pic>
+        <p:nvPicPr>
+          <p:cNvPr id="8" name="Picture 7"/>
+          <p:cNvPicPr>
+            <a:picLocks noChangeAspect="1"/>
+          </p:cNvPicPr>
+          <p:nvPr/>
+        </p:nvPicPr>
+        <p:blipFill>
+          <a:blip r:embed="rId3"/>
+          <a:stretch>
+            <a:fillRect/>
+          </a:stretch>
+        </p:blipFill>
+        <p:spPr>
+          <a:xfrm>
+            <a:off x="5937385" y="700991"/>
+            <a:ext cx="4827657" cy="2040618"/>
+          </a:xfrm>
+          <a:prstGeom prst="rect">
+            <a:avLst/>
+          </a:prstGeom>
+        </p:spPr>
+      </p:pic>
+      <p:pic>
+        <p:nvPicPr>
+          <p:cNvPr id="9" name="Picture 8"/>
+          <p:cNvPicPr>
+            <a:picLocks noChangeAspect="1"/>
+          </p:cNvPicPr>
+          <p:nvPr/>
+        </p:nvPicPr>
+        <p:blipFill>
+          <a:blip r:embed="rId4"/>
+          <a:stretch>
+            <a:fillRect/>
+          </a:stretch>
+        </p:blipFill>
+        <p:spPr>
+          <a:xfrm>
+            <a:off x="5937385" y="2957968"/>
+            <a:ext cx="4876800" cy="1440546"/>
+          </a:xfrm>
+          <a:prstGeom prst="rect">
+            <a:avLst/>
+          </a:prstGeom>
+        </p:spPr>
+      </p:pic>
+      <p:pic>
+        <p:nvPicPr>
+          <p:cNvPr id="6" name="Picture 5"/>
+          <p:cNvPicPr>
+            <a:picLocks noChangeAspect="1"/>
+          </p:cNvPicPr>
+          <p:nvPr/>
+        </p:nvPicPr>
+        <p:blipFill>
+          <a:blip r:embed="rId5"/>
+          <a:stretch>
+            <a:fillRect/>
+          </a:stretch>
+        </p:blipFill>
+        <p:spPr>
+          <a:xfrm>
+            <a:off x="9473479" y="484632"/>
+            <a:ext cx="2150355" cy="4736592"/>
+          </a:xfrm>
+          <a:prstGeom prst="rect">
+            <a:avLst/>
+          </a:prstGeom>
+        </p:spPr>
+      </p:pic>
     </p:spTree>
     <p:extLst>
       <p:ext uri="{BB962C8B-B14F-4D97-AF65-F5344CB8AC3E}">
@@ -6267,7 +6968,6 @@
               <a:rPr lang="en-US" dirty="0" smtClean="0"/>
               <a:t> and python will get more popular</a:t>
             </a:r>
-            <a:endParaRPr lang="en-US" dirty="0" smtClean="0"/>
           </a:p>
           <a:p>
             <a:r>
@@ -6480,7 +7180,7 @@
           <a:p>
             <a:r>
               <a:rPr lang="en-US" dirty="0" smtClean="0"/>
-              <a:t>Why to automate</a:t>
+              <a:t>Why Automating</a:t>
             </a:r>
             <a:endParaRPr lang="en-US" dirty="0"/>
           </a:p>
@@ -6512,54 +7212,63 @@
             <a:pPr lvl="1"/>
             <a:r>
               <a:rPr lang="en-US" dirty="0" smtClean="0"/>
-              <a:t>It’s getting cheaper and cheaper with the “cloud” and other tools</a:t>
+              <a:t>It’s hard to find skilled people</a:t>
+            </a:r>
+          </a:p>
+          <a:p>
+            <a:r>
+              <a:rPr lang="en-US" dirty="0" smtClean="0"/>
+              <a:t>Efficiency and efficacy</a:t>
             </a:r>
           </a:p>
           <a:p>
             <a:pPr lvl="1"/>
             <a:r>
               <a:rPr lang="en-US" dirty="0" smtClean="0"/>
-              <a:t>Good people are getting much harder to find</a:t>
-            </a:r>
-          </a:p>
-          <a:p>
-            <a:r>
-              <a:rPr lang="en-US" dirty="0" smtClean="0"/>
-              <a:t>Efficiency and efficacy</a:t>
+              <a:t>Execute quickly (even </a:t>
+            </a:r>
+            <a:r>
+              <a:rPr lang="en-US" dirty="0" smtClean="0"/>
+              <a:t>if it’s the wrong result!)</a:t>
             </a:r>
           </a:p>
           <a:p>
             <a:pPr lvl="1"/>
             <a:r>
               <a:rPr lang="en-US" dirty="0" smtClean="0"/>
-              <a:t>Gets to the result fast (even if it’s the wrong result!)</a:t>
+              <a:t>Do more </a:t>
+            </a:r>
+            <a:r>
+              <a:rPr lang="en-US" dirty="0" smtClean="0"/>
+              <a:t>with less</a:t>
+            </a:r>
+          </a:p>
+          <a:p>
+            <a:r>
+              <a:rPr lang="en-US" dirty="0" smtClean="0"/>
+              <a:t>Fights boredom</a:t>
             </a:r>
           </a:p>
           <a:p>
             <a:pPr lvl="1"/>
             <a:r>
               <a:rPr lang="en-US" dirty="0" smtClean="0"/>
-              <a:t>Do more with less</a:t>
-            </a:r>
-          </a:p>
-          <a:p>
-            <a:r>
-              <a:rPr lang="en-US" dirty="0" smtClean="0"/>
-              <a:t>Fights boredom</a:t>
+              <a:t>Free </a:t>
+            </a:r>
+            <a:r>
+              <a:rPr lang="en-US" dirty="0" smtClean="0"/>
+              <a:t>people to do other (and more challenging) tasks</a:t>
             </a:r>
           </a:p>
           <a:p>
             <a:pPr lvl="1"/>
             <a:r>
               <a:rPr lang="en-US" dirty="0" smtClean="0"/>
-              <a:t>Free people to do other (and more challenging) tasks</a:t>
-            </a:r>
-          </a:p>
-          <a:p>
-            <a:pPr lvl="1"/>
-            <a:r>
-              <a:rPr lang="en-US" dirty="0" smtClean="0"/>
-              <a:t>Pushes boring (but important) jobs to the background</a:t>
+              <a:t>Push </a:t>
+            </a:r>
+            <a:r>
+              <a:rPr lang="en-US" dirty="0" smtClean="0"/>
+              <a:t>boring (but important) jobs to the background</a:t>
             </a:r>
           </a:p>
           <a:p>
@@ -6632,7 +7341,11 @@
           <a:p>
             <a:r>
               <a:rPr lang="en-US" dirty="0" smtClean="0"/>
-              <a:t>Why to not automate</a:t>
+              <a:t>Why </a:t>
+            </a:r>
+            <a:r>
+              <a:rPr lang="en-US" dirty="0" smtClean="0"/>
+              <a:t>not Automating</a:t>
             </a:r>
             <a:r>
               <a:rPr lang="mr-IN" dirty="0" smtClean="0"/>
@@ -6653,7 +7366,7 @@
           </p:nvPr>
         </p:nvPicPr>
         <p:blipFill>
-          <a:blip r:embed="rId2">
+          <a:blip r:embed="rId3">
             <a:extLst>
               <a:ext uri="{28A0092B-C50C-407E-A947-70E740481C1C}">
                 <a14:useLocalDpi xmlns:a14="http://schemas.microsoft.com/office/drawing/2010/main" val="0"/>
@@ -6688,7 +7401,15 @@
           <a:p>
             <a:r>
               <a:rPr lang="en-US" dirty="0" smtClean="0"/>
-              <a:t>The time spending to automate will be much longer than the time to do the task (x times)</a:t>
+              <a:t>The time </a:t>
+            </a:r>
+            <a:r>
+              <a:rPr lang="en-US" dirty="0" smtClean="0"/>
+              <a:t>spent </a:t>
+            </a:r>
+            <a:r>
+              <a:rPr lang="en-US" dirty="0" smtClean="0"/>
+              <a:t>to automate will be much longer than the time to do the task (x times)</a:t>
             </a:r>
           </a:p>
           <a:p>
@@ -6759,7 +7480,11 @@
           <a:p>
             <a:r>
               <a:rPr lang="en-US" dirty="0" smtClean="0"/>
-              <a:t>Trigger kinds</a:t>
+              <a:t>Trigger </a:t>
+            </a:r>
+            <a:r>
+              <a:rPr lang="en-US" dirty="0" smtClean="0"/>
+              <a:t>Types</a:t>
             </a:r>
             <a:endParaRPr lang="en-US" dirty="0"/>
           </a:p>
@@ -6778,7 +7503,7 @@
         <p:spPr/>
         <p:txBody>
           <a:bodyPr>
-            <a:normAutofit fontScale="92500" lnSpcReduction="10000"/>
+            <a:normAutofit fontScale="92500" lnSpcReduction="20000"/>
           </a:bodyPr>
           <a:lstStyle/>
           <a:p>
@@ -6857,7 +7582,7 @@
         <p:spPr/>
         <p:txBody>
           <a:bodyPr>
-            <a:normAutofit fontScale="92500" lnSpcReduction="10000"/>
+            <a:normAutofit fontScale="92500" lnSpcReduction="20000"/>
           </a:bodyPr>
           <a:lstStyle/>
           <a:p>
@@ -6875,7 +7600,7 @@
             </a:pPr>
             <a:r>
               <a:rPr lang="en-US" sz="1700" dirty="0" smtClean="0">
-                <a:hlinkClick r:id="rId2"/>
+                <a:hlinkClick r:id="rId3"/>
               </a:rPr>
               <a:t>kumar-asshole.sh</a:t>
             </a:r>
@@ -6913,7 +7638,7 @@
             </a:pPr>
             <a:r>
               <a:rPr lang="en-US" sz="1700" dirty="0" smtClean="0">
-                <a:hlinkClick r:id="rId3"/>
+                <a:hlinkClick r:id="rId4"/>
               </a:rPr>
               <a:t>smack-my-bitch-up.sh</a:t>
             </a:r>
@@ -6952,9 +7677,33 @@
             </a:pPr>
             <a:r>
               <a:rPr lang="en-US" sz="1700" dirty="0" smtClean="0">
-                <a:hlinkClick r:id="rId4"/>
+                <a:hlinkClick r:id="rId5"/>
               </a:rPr>
-              <a:t>https://github.com/NARKOZ/hacker-scripts</a:t>
+              <a:t>https://</a:t>
+            </a:r>
+            <a:r>
+              <a:rPr lang="en-US" sz="1700" dirty="0" smtClean="0">
+                <a:hlinkClick r:id="rId5"/>
+              </a:rPr>
+              <a:t>github.com/NARKOZ/hacker-scripts</a:t>
+            </a:r>
+            <a:endParaRPr lang="en-US" sz="1700" dirty="0" smtClean="0"/>
+          </a:p>
+          <a:p>
+            <a:pPr marL="0" indent="0">
+              <a:buNone/>
+            </a:pPr>
+            <a:r>
+              <a:rPr lang="en-US" sz="1700" dirty="0">
+                <a:hlinkClick r:id="rId6"/>
+              </a:rPr>
+              <a:t>http://</a:t>
+            </a:r>
+            <a:r>
+              <a:rPr lang="en-US" sz="1700" dirty="0" smtClean="0">
+                <a:hlinkClick r:id="rId6"/>
+              </a:rPr>
+              <a:t>bash.im/quote/436725</a:t>
             </a:r>
             <a:endParaRPr lang="en-US" sz="1700" dirty="0" smtClean="0"/>
           </a:p>
@@ -7035,7 +7784,11 @@
           <a:bodyPr/>
           <a:lstStyle/>
           <a:p>
-            <a:endParaRPr lang="en-US"/>
+            <a:r>
+              <a:rPr lang="en-US" dirty="0" smtClean="0"/>
+              <a:t>From my life experience</a:t>
+            </a:r>
+            <a:endParaRPr lang="en-US" dirty="0"/>
           </a:p>
         </p:txBody>
       </p:sp>
@@ -7283,7 +8036,7 @@
           <a:p>
             <a:r>
               <a:rPr lang="en-US" dirty="0" smtClean="0">
-                <a:hlinkClick r:id="rId2"/>
+                <a:hlinkClick r:id="rId3"/>
               </a:rPr>
               <a:t>https://en.wikipedia.org/wiki/Cron</a:t>
             </a:r>
@@ -7302,7 +8055,7 @@
           </p:nvPr>
         </p:nvPicPr>
         <p:blipFill>
-          <a:blip r:embed="rId3">
+          <a:blip r:embed="rId4">
             <a:extLst>
               <a:ext uri="{28A0092B-C50C-407E-A947-70E740481C1C}">
                 <a14:useLocalDpi xmlns:a14="http://schemas.microsoft.com/office/drawing/2010/main" val="0"/>
@@ -7366,7 +8119,7 @@
           <p:nvPr/>
         </p:nvPicPr>
         <p:blipFill>
-          <a:blip r:embed="rId2"/>
+          <a:blip r:embed="rId3"/>
           <a:stretch>
             <a:fillRect/>
           </a:stretch>
@@ -7473,7 +8226,7 @@
           </p:nvPr>
         </p:nvPicPr>
         <p:blipFill>
-          <a:blip r:embed="rId3"/>
+          <a:blip r:embed="rId4"/>
           <a:stretch>
             <a:fillRect/>
           </a:stretch>
@@ -7497,7 +8250,7 @@
           <p:nvPr/>
         </p:nvPicPr>
         <p:blipFill>
-          <a:blip r:embed="rId4"/>
+          <a:blip r:embed="rId5"/>
           <a:stretch>
             <a:fillRect/>
           </a:stretch>

--- a/Automation.pptx
+++ b/Automation.pptx
@@ -244,7 +244,7 @@
           <a:p>
             <a:fld id="{B45307F0-0303-9C4F-92BC-BF938E744BEC}" type="datetimeFigureOut">
               <a:rPr lang="en-US" smtClean="0"/>
-              <a:t>9/19/17</a:t>
+              <a:t>9/20/17</a:t>
             </a:fld>
             <a:endParaRPr lang="en-US"/>
           </a:p>
@@ -725,6 +725,134 @@
     <p:extLst>
       <p:ext uri="{BB962C8B-B14F-4D97-AF65-F5344CB8AC3E}">
         <p14:creationId xmlns:p14="http://schemas.microsoft.com/office/powerpoint/2010/main" val="1250584141"/>
+      </p:ext>
+    </p:extLst>
+  </p:cSld>
+  <p:clrMapOvr>
+    <a:masterClrMapping/>
+  </p:clrMapOvr>
+</p:notes>
+</file>
+
+<file path=ppt/notesSlides/notesSlide11.xml><?xml version="1.0" encoding="utf-8"?>
+<p:notes xmlns:a="http://schemas.openxmlformats.org/drawingml/2006/main" xmlns:r="http://schemas.openxmlformats.org/officeDocument/2006/relationships" xmlns:p="http://schemas.openxmlformats.org/presentationml/2006/main">
+  <p:cSld>
+    <p:spTree>
+      <p:nvGrpSpPr>
+        <p:cNvPr id="1" name=""/>
+        <p:cNvGrpSpPr/>
+        <p:nvPr/>
+      </p:nvGrpSpPr>
+      <p:grpSpPr>
+        <a:xfrm>
+          <a:off x="0" y="0"/>
+          <a:ext cx="0" cy="0"/>
+          <a:chOff x="0" y="0"/>
+          <a:chExt cx="0" cy="0"/>
+        </a:xfrm>
+      </p:grpSpPr>
+      <p:sp>
+        <p:nvSpPr>
+          <p:cNvPr id="2" name="Slide Image Placeholder 1"/>
+          <p:cNvSpPr>
+            <a:spLocks noGrp="1" noRot="1" noChangeAspect="1"/>
+          </p:cNvSpPr>
+          <p:nvPr>
+            <p:ph type="sldImg"/>
+          </p:nvPr>
+        </p:nvSpPr>
+        <p:spPr/>
+      </p:sp>
+      <p:sp>
+        <p:nvSpPr>
+          <p:cNvPr id="3" name="Notes Placeholder 2"/>
+          <p:cNvSpPr>
+            <a:spLocks noGrp="1"/>
+          </p:cNvSpPr>
+          <p:nvPr>
+            <p:ph type="body" idx="1"/>
+          </p:nvPr>
+        </p:nvSpPr>
+        <p:spPr/>
+        <p:txBody>
+          <a:bodyPr/>
+          <a:lstStyle/>
+          <a:p>
+            <a:r>
+              <a:rPr lang="en-US" dirty="0" smtClean="0"/>
+              <a:t>Alexa / Google Home </a:t>
+            </a:r>
+            <a:r>
+              <a:rPr lang="en-US" dirty="0" smtClean="0">
+                <a:sym typeface="Wingdings"/>
+              </a:rPr>
+              <a:t> </a:t>
+            </a:r>
+            <a:r>
+              <a:rPr lang="en-US" dirty="0" smtClean="0"/>
+              <a:t>South Park trolling Alexa ; burger kind trolling google now </a:t>
+            </a:r>
+          </a:p>
+          <a:p>
+            <a:r>
+              <a:rPr lang="en-US" dirty="0" smtClean="0"/>
+              <a:t>Autonomous car</a:t>
+            </a:r>
+          </a:p>
+          <a:p>
+            <a:r>
+              <a:rPr lang="en-US" dirty="0" smtClean="0"/>
+              <a:t>Helping processes</a:t>
+            </a:r>
+            <a:r>
+              <a:rPr lang="en-US" baseline="0" dirty="0" smtClean="0"/>
+              <a:t> at work </a:t>
+            </a:r>
+            <a:r>
+              <a:rPr lang="en-US" baseline="0" dirty="0" smtClean="0">
+                <a:sym typeface="Wingdings"/>
+              </a:rPr>
+              <a:t> build/deploy pipeline, </a:t>
+            </a:r>
+            <a:r>
+              <a:rPr lang="en-US" baseline="0" smtClean="0">
+                <a:sym typeface="Wingdings"/>
+              </a:rPr>
+              <a:t>time/tasks management</a:t>
+            </a:r>
+          </a:p>
+          <a:p>
+            <a:endParaRPr lang="en-US" dirty="0"/>
+          </a:p>
+        </p:txBody>
+      </p:sp>
+      <p:sp>
+        <p:nvSpPr>
+          <p:cNvPr id="4" name="Slide Number Placeholder 3"/>
+          <p:cNvSpPr>
+            <a:spLocks noGrp="1"/>
+          </p:cNvSpPr>
+          <p:nvPr>
+            <p:ph type="sldNum" sz="quarter" idx="10"/>
+          </p:nvPr>
+        </p:nvSpPr>
+        <p:spPr/>
+        <p:txBody>
+          <a:bodyPr/>
+          <a:lstStyle/>
+          <a:p>
+            <a:fld id="{C4292089-8267-8B41-A641-AA895EAE7420}" type="slidenum">
+              <a:rPr lang="en-US" smtClean="0"/>
+              <a:t>16</a:t>
+            </a:fld>
+            <a:endParaRPr lang="en-US"/>
+          </a:p>
+        </p:txBody>
+      </p:sp>
+    </p:spTree>
+    <p:extLst>
+      <p:ext uri="{BB962C8B-B14F-4D97-AF65-F5344CB8AC3E}">
+        <p14:creationId xmlns:p14="http://schemas.microsoft.com/office/powerpoint/2010/main" val="240930428"/>
       </p:ext>
     </p:extLst>
   </p:cSld>
@@ -2006,7 +2134,7 @@
           <a:p>
             <a:fld id="{BBFC3B89-37DD-A34A-9FD8-C883714DDA7C}" type="datetimeFigureOut">
               <a:rPr lang="en-US" smtClean="0"/>
-              <a:t>9/19/17</a:t>
+              <a:t>9/20/17</a:t>
             </a:fld>
             <a:endParaRPr lang="en-US"/>
           </a:p>
@@ -2181,7 +2309,7 @@
           <a:p>
             <a:fld id="{BBFC3B89-37DD-A34A-9FD8-C883714DDA7C}" type="datetimeFigureOut">
               <a:rPr lang="en-US" smtClean="0"/>
-              <a:t>9/19/17</a:t>
+              <a:t>9/20/17</a:t>
             </a:fld>
             <a:endParaRPr lang="en-US"/>
           </a:p>
@@ -2357,7 +2485,7 @@
           <a:p>
             <a:fld id="{BBFC3B89-37DD-A34A-9FD8-C883714DDA7C}" type="datetimeFigureOut">
               <a:rPr lang="en-US" smtClean="0"/>
-              <a:t>9/19/17</a:t>
+              <a:t>9/20/17</a:t>
             </a:fld>
             <a:endParaRPr lang="en-US"/>
           </a:p>
@@ -2523,7 +2651,7 @@
           <a:p>
             <a:fld id="{BBFC3B89-37DD-A34A-9FD8-C883714DDA7C}" type="datetimeFigureOut">
               <a:rPr lang="en-US" smtClean="0"/>
-              <a:t>9/19/17</a:t>
+              <a:t>9/20/17</a:t>
             </a:fld>
             <a:endParaRPr lang="en-US"/>
           </a:p>
@@ -2840,7 +2968,7 @@
           <a:p>
             <a:fld id="{BBFC3B89-37DD-A34A-9FD8-C883714DDA7C}" type="datetimeFigureOut">
               <a:rPr lang="en-US" smtClean="0"/>
-              <a:t>9/19/17</a:t>
+              <a:t>9/20/17</a:t>
             </a:fld>
             <a:endParaRPr lang="en-US"/>
           </a:p>
@@ -3296,7 +3424,7 @@
           <a:p>
             <a:fld id="{BBFC3B89-37DD-A34A-9FD8-C883714DDA7C}" type="datetimeFigureOut">
               <a:rPr lang="en-US" smtClean="0"/>
-              <a:t>9/19/17</a:t>
+              <a:t>9/20/17</a:t>
             </a:fld>
             <a:endParaRPr lang="en-US"/>
           </a:p>
@@ -3703,7 +3831,7 @@
           <a:p>
             <a:fld id="{BBFC3B89-37DD-A34A-9FD8-C883714DDA7C}" type="datetimeFigureOut">
               <a:rPr lang="en-US" smtClean="0"/>
-              <a:t>9/19/17</a:t>
+              <a:t>9/20/17</a:t>
             </a:fld>
             <a:endParaRPr lang="en-US"/>
           </a:p>
@@ -3817,7 +3945,7 @@
           <a:p>
             <a:fld id="{BBFC3B89-37DD-A34A-9FD8-C883714DDA7C}" type="datetimeFigureOut">
               <a:rPr lang="en-US" smtClean="0"/>
-              <a:t>9/19/17</a:t>
+              <a:t>9/20/17</a:t>
             </a:fld>
             <a:endParaRPr lang="en-US"/>
           </a:p>
@@ -3931,7 +4059,7 @@
           <a:p>
             <a:fld id="{BBFC3B89-37DD-A34A-9FD8-C883714DDA7C}" type="datetimeFigureOut">
               <a:rPr lang="en-US" smtClean="0"/>
-              <a:t>9/19/17</a:t>
+              <a:t>9/20/17</a:t>
             </a:fld>
             <a:endParaRPr lang="en-US"/>
           </a:p>
@@ -4285,7 +4413,7 @@
           <a:p>
             <a:fld id="{BBFC3B89-37DD-A34A-9FD8-C883714DDA7C}" type="datetimeFigureOut">
               <a:rPr lang="en-US" smtClean="0"/>
-              <a:t>9/19/17</a:t>
+              <a:t>9/20/17</a:t>
             </a:fld>
             <a:endParaRPr lang="en-US"/>
           </a:p>
@@ -4788,7 +4916,7 @@
           <a:p>
             <a:fld id="{BBFC3B89-37DD-A34A-9FD8-C883714DDA7C}" type="datetimeFigureOut">
               <a:rPr lang="en-US" smtClean="0"/>
-              <a:t>9/19/17</a:t>
+              <a:t>9/20/17</a:t>
             </a:fld>
             <a:endParaRPr lang="en-US"/>
           </a:p>
@@ -5139,7 +5267,7 @@
           <a:p>
             <a:fld id="{BBFC3B89-37DD-A34A-9FD8-C883714DDA7C}" type="datetimeFigureOut">
               <a:rPr lang="en-US" smtClean="0"/>
-              <a:t>9/19/17</a:t>
+              <a:t>9/20/17</a:t>
             </a:fld>
             <a:endParaRPr lang="en-US"/>
           </a:p>
@@ -6237,34 +6365,13 @@
           <a:p>
             <a:r>
               <a:rPr lang="en-US" dirty="0" smtClean="0"/>
-              <a:t>Batch script is known because it can do basic things on </a:t>
-            </a:r>
-            <a:r>
-              <a:rPr lang="en-US" dirty="0" smtClean="0"/>
-              <a:t>Windows, which </a:t>
-            </a:r>
-            <a:r>
-              <a:rPr lang="en-US" dirty="0" smtClean="0"/>
-              <a:t>is </a:t>
-            </a:r>
-            <a:r>
-              <a:rPr lang="en-US" dirty="0" smtClean="0"/>
-              <a:t>false</a:t>
-            </a:r>
-            <a:endParaRPr lang="en-US" dirty="0" smtClean="0"/>
-          </a:p>
-          <a:p>
-            <a:r>
-              <a:rPr lang="en-US" dirty="0" smtClean="0"/>
-              <a:t>Batch scripts can do anything on </a:t>
-            </a:r>
-            <a:r>
-              <a:rPr lang="en-US" dirty="0" smtClean="0"/>
-              <a:t>Windows </a:t>
-            </a:r>
-            <a:r>
-              <a:rPr lang="en-US" dirty="0" smtClean="0"/>
-              <a:t>and interact with other programs:</a:t>
+              <a:t>Batch script is known because it can do basic things on Windows, which is false</a:t>
+            </a:r>
+          </a:p>
+          <a:p>
+            <a:r>
+              <a:rPr lang="en-US" dirty="0" smtClean="0"/>
+              <a:t>Batch scripts can do anything on Windows and interact with other programs:</a:t>
             </a:r>
           </a:p>
           <a:p>
@@ -6308,23 +6415,7 @@
             </a:r>
             <a:r>
               <a:rPr lang="en-GB" dirty="0" smtClean="0"/>
-              <a:t> is “a </a:t>
-            </a:r>
-            <a:r>
-              <a:rPr lang="en-GB" dirty="0" smtClean="0"/>
-              <a:t>newer </a:t>
-            </a:r>
-            <a:r>
-              <a:rPr lang="en-GB" dirty="0" smtClean="0"/>
-              <a:t>version” of Batch, easier to use and </a:t>
-            </a:r>
-            <a:r>
-              <a:rPr lang="en-GB" dirty="0" smtClean="0"/>
-              <a:t>with more </a:t>
-            </a:r>
-            <a:r>
-              <a:rPr lang="en-GB" dirty="0" smtClean="0"/>
-              <a:t>features</a:t>
+              <a:t> is “a newer version” of Batch, easier to use and with more features</a:t>
             </a:r>
           </a:p>
           <a:p>
@@ -7218,29 +7309,26 @@
           <a:p>
             <a:r>
               <a:rPr lang="en-US" dirty="0" smtClean="0"/>
-              <a:t>Efficiency and efficacy</a:t>
-            </a:r>
+              <a:t>Efficiency and </a:t>
+            </a:r>
+            <a:r>
+              <a:rPr lang="en-US" dirty="0" smtClean="0"/>
+              <a:t>efficacy</a:t>
+            </a:r>
+            <a:endParaRPr lang="en-US" dirty="0" smtClean="0"/>
           </a:p>
           <a:p>
             <a:pPr lvl="1"/>
             <a:r>
               <a:rPr lang="en-US" dirty="0" smtClean="0"/>
-              <a:t>Execute quickly (even </a:t>
-            </a:r>
-            <a:r>
-              <a:rPr lang="en-US" dirty="0" smtClean="0"/>
-              <a:t>if it’s the wrong result!)</a:t>
+              <a:t>Execute quickly (even if it’s the wrong result!)</a:t>
             </a:r>
           </a:p>
           <a:p>
             <a:pPr lvl="1"/>
             <a:r>
               <a:rPr lang="en-US" dirty="0" smtClean="0"/>
-              <a:t>Do more </a:t>
-            </a:r>
-            <a:r>
-              <a:rPr lang="en-US" dirty="0" smtClean="0"/>
-              <a:t>with less</a:t>
+              <a:t>Do more with less</a:t>
             </a:r>
           </a:p>
           <a:p>
@@ -7253,22 +7341,14 @@
             <a:pPr lvl="1"/>
             <a:r>
               <a:rPr lang="en-US" dirty="0" smtClean="0"/>
-              <a:t>Free </a:t>
-            </a:r>
-            <a:r>
-              <a:rPr lang="en-US" dirty="0" smtClean="0"/>
-              <a:t>people to do other (and more challenging) tasks</a:t>
+              <a:t>Free people to do other (and more challenging) tasks</a:t>
             </a:r>
           </a:p>
           <a:p>
             <a:pPr lvl="1"/>
             <a:r>
               <a:rPr lang="en-US" dirty="0" smtClean="0"/>
-              <a:t>Push </a:t>
-            </a:r>
-            <a:r>
-              <a:rPr lang="en-US" dirty="0" smtClean="0"/>
-              <a:t>boring (but important) jobs to the background</a:t>
+              <a:t>Push boring (but important) jobs to the background</a:t>
             </a:r>
           </a:p>
           <a:p>
@@ -7341,11 +7421,7 @@
           <a:p>
             <a:r>
               <a:rPr lang="en-US" dirty="0" smtClean="0"/>
-              <a:t>Why </a:t>
-            </a:r>
-            <a:r>
-              <a:rPr lang="en-US" dirty="0" smtClean="0"/>
-              <a:t>not Automating</a:t>
+              <a:t>Why not Automating</a:t>
             </a:r>
             <a:r>
               <a:rPr lang="mr-IN" dirty="0" smtClean="0"/>
@@ -7401,15 +7477,7 @@
           <a:p>
             <a:r>
               <a:rPr lang="en-US" dirty="0" smtClean="0"/>
-              <a:t>The time </a:t>
-            </a:r>
-            <a:r>
-              <a:rPr lang="en-US" dirty="0" smtClean="0"/>
-              <a:t>spent </a:t>
-            </a:r>
-            <a:r>
-              <a:rPr lang="en-US" dirty="0" smtClean="0"/>
-              <a:t>to automate will be much longer than the time to do the task (x times)</a:t>
+              <a:t>The time spent to automate will be much longer than the time to do the task (x times)</a:t>
             </a:r>
           </a:p>
           <a:p>
@@ -7480,11 +7548,7 @@
           <a:p>
             <a:r>
               <a:rPr lang="en-US" dirty="0" smtClean="0"/>
-              <a:t>Trigger </a:t>
-            </a:r>
-            <a:r>
-              <a:rPr lang="en-US" dirty="0" smtClean="0"/>
-              <a:t>Types</a:t>
+              <a:t>Trigger Types</a:t>
             </a:r>
             <a:endParaRPr lang="en-US" dirty="0"/>
           </a:p>
@@ -7679,13 +7743,7 @@
               <a:rPr lang="en-US" sz="1700" dirty="0" smtClean="0">
                 <a:hlinkClick r:id="rId5"/>
               </a:rPr>
-              <a:t>https://</a:t>
-            </a:r>
-            <a:r>
-              <a:rPr lang="en-US" sz="1700" dirty="0" smtClean="0">
-                <a:hlinkClick r:id="rId5"/>
-              </a:rPr>
-              <a:t>github.com/NARKOZ/hacker-scripts</a:t>
+              <a:t>https://github.com/NARKOZ/hacker-scripts</a:t>
             </a:r>
             <a:endParaRPr lang="en-US" sz="1700" dirty="0" smtClean="0"/>
           </a:p>
